--- a/pres_api.pptx
+++ b/pres_api.pptx
@@ -21,42 +21,42 @@
   <p:notesSz cx="6858000" cy="9144000"/>
   <p:embeddedFontLst>
     <p:embeddedFont>
-      <p:font typeface="Saira Extra Condensed" panose="020B0604020202020204" charset="0"/>
+      <p:font typeface="Saira ExtraCondensed SemiBold" panose="020B0604020202020204" charset="0"/>
       <p:regular r:id="rId11"/>
       <p:bold r:id="rId12"/>
     </p:embeddedFont>
     <p:embeddedFont>
-      <p:font typeface="Fira Sans Extra Condensed Medium" panose="020B0604020202020204" charset="0"/>
+      <p:font typeface="Barlow Semi Condensed Light" panose="020B0604020202020204" charset="0"/>
       <p:regular r:id="rId13"/>
       <p:bold r:id="rId14"/>
       <p:italic r:id="rId15"/>
       <p:boldItalic r:id="rId16"/>
     </p:embeddedFont>
     <p:embeddedFont>
-      <p:font typeface="Roboto Slab Regular" panose="020B0604020202020204" charset="0"/>
+      <p:font typeface="Barlow Semi Condensed" panose="020B0604020202020204" charset="0"/>
       <p:regular r:id="rId17"/>
       <p:bold r:id="rId18"/>
+      <p:italic r:id="rId19"/>
+      <p:boldItalic r:id="rId20"/>
+    </p:embeddedFont>
+    <p:embeddedFont>
+      <p:font typeface="Fira Sans Extra Condensed Medium" panose="020B0604020202020204" charset="0"/>
+      <p:regular r:id="rId21"/>
+      <p:bold r:id="rId22"/>
+      <p:italic r:id="rId23"/>
+      <p:boldItalic r:id="rId24"/>
+    </p:embeddedFont>
+    <p:embeddedFont>
+      <p:font typeface="Roboto Slab Regular" panose="020B0604020202020204" charset="0"/>
+      <p:regular r:id="rId25"/>
+      <p:bold r:id="rId26"/>
     </p:embeddedFont>
     <p:embeddedFont>
       <p:font typeface="Squada One" panose="020B0604020202020204" charset="0"/>
-      <p:regular r:id="rId19"/>
+      <p:regular r:id="rId27"/>
     </p:embeddedFont>
     <p:embeddedFont>
-      <p:font typeface="Barlow Semi Condensed" panose="020B0604020202020204" charset="0"/>
-      <p:regular r:id="rId20"/>
-      <p:bold r:id="rId21"/>
-      <p:italic r:id="rId22"/>
-      <p:boldItalic r:id="rId23"/>
-    </p:embeddedFont>
-    <p:embeddedFont>
-      <p:font typeface="Barlow Semi Condensed Light" panose="020B0604020202020204" charset="0"/>
-      <p:regular r:id="rId24"/>
-      <p:bold r:id="rId25"/>
-      <p:italic r:id="rId26"/>
-      <p:boldItalic r:id="rId27"/>
-    </p:embeddedFont>
-    <p:embeddedFont>
-      <p:font typeface="Saira ExtraCondensed SemiBold" panose="020B0604020202020204" charset="0"/>
+      <p:font typeface="Saira Extra Condensed" panose="020B0604020202020204" charset="0"/>
       <p:regular r:id="rId28"/>
       <p:bold r:id="rId29"/>
     </p:embeddedFont>
@@ -296,6 +296,11 @@
         <p15:guide id="1" orient="horz">
           <p15:clr>
             <a:srgbClr val="9AA0A6"/>
+          </p15:clr>
+        </p15:guide>
+        <p15:guide id="2" pos="2880">
+          <p15:clr>
+            <a:srgbClr val="A4A3A4"/>
           </p15:clr>
         </p15:guide>
       </p15:sldGuideLst>
@@ -17993,7 +17998,7 @@
             </a:pPr>
             <a:r>
               <a:rPr lang="es" dirty="0" smtClean="0"/>
-              <a:t>Catégories</a:t>
+              <a:t>Interface</a:t>
             </a:r>
             <a:endParaRPr dirty="0"/>
           </a:p>
@@ -18077,7 +18082,7 @@
             </a:pPr>
             <a:r>
               <a:rPr lang="es" dirty="0" smtClean="0"/>
-              <a:t>Avoir une grosse BDD pour pouvoir trier les téléphones par marques</a:t>
+              <a:t>Améliorer l’interface utilisateur </a:t>
             </a:r>
             <a:endParaRPr dirty="0"/>
           </a:p>

--- a/pres_api.pptx
+++ b/pres_api.pptx
@@ -21,44 +21,44 @@
   <p:notesSz cx="6858000" cy="9144000"/>
   <p:embeddedFontLst>
     <p:embeddedFont>
-      <p:font typeface="Saira ExtraCondensed SemiBold" panose="020B0604020202020204" charset="0"/>
+      <p:font typeface="Roboto Slab Regular" panose="020B0604020202020204" charset="0"/>
       <p:regular r:id="rId11"/>
       <p:bold r:id="rId12"/>
     </p:embeddedFont>
     <p:embeddedFont>
-      <p:font typeface="Barlow Semi Condensed Light" panose="020B0604020202020204" charset="0"/>
+      <p:font typeface="Saira Extra Condensed" panose="020B0604020202020204" charset="0"/>
       <p:regular r:id="rId13"/>
       <p:bold r:id="rId14"/>
-      <p:italic r:id="rId15"/>
-      <p:boldItalic r:id="rId16"/>
+    </p:embeddedFont>
+    <p:embeddedFont>
+      <p:font typeface="Squada One" panose="020B0604020202020204" charset="0"/>
+      <p:regular r:id="rId15"/>
     </p:embeddedFont>
     <p:embeddedFont>
       <p:font typeface="Barlow Semi Condensed" panose="020B0604020202020204" charset="0"/>
-      <p:regular r:id="rId17"/>
-      <p:bold r:id="rId18"/>
-      <p:italic r:id="rId19"/>
-      <p:boldItalic r:id="rId20"/>
+      <p:regular r:id="rId16"/>
+      <p:bold r:id="rId17"/>
+      <p:italic r:id="rId18"/>
+      <p:boldItalic r:id="rId19"/>
+    </p:embeddedFont>
+    <p:embeddedFont>
+      <p:font typeface="Saira ExtraCondensed SemiBold" panose="020B0604020202020204" charset="0"/>
+      <p:regular r:id="rId20"/>
+      <p:bold r:id="rId21"/>
+    </p:embeddedFont>
+    <p:embeddedFont>
+      <p:font typeface="Barlow Semi Condensed Light" panose="020B0604020202020204" charset="0"/>
+      <p:regular r:id="rId22"/>
+      <p:bold r:id="rId23"/>
+      <p:italic r:id="rId24"/>
+      <p:boldItalic r:id="rId25"/>
     </p:embeddedFont>
     <p:embeddedFont>
       <p:font typeface="Fira Sans Extra Condensed Medium" panose="020B0604020202020204" charset="0"/>
-      <p:regular r:id="rId21"/>
-      <p:bold r:id="rId22"/>
-      <p:italic r:id="rId23"/>
-      <p:boldItalic r:id="rId24"/>
-    </p:embeddedFont>
-    <p:embeddedFont>
-      <p:font typeface="Roboto Slab Regular" panose="020B0604020202020204" charset="0"/>
-      <p:regular r:id="rId25"/>
-      <p:bold r:id="rId26"/>
-    </p:embeddedFont>
-    <p:embeddedFont>
-      <p:font typeface="Squada One" panose="020B0604020202020204" charset="0"/>
-      <p:regular r:id="rId27"/>
-    </p:embeddedFont>
-    <p:embeddedFont>
-      <p:font typeface="Saira Extra Condensed" panose="020B0604020202020204" charset="0"/>
-      <p:regular r:id="rId28"/>
-      <p:bold r:id="rId29"/>
+      <p:regular r:id="rId26"/>
+      <p:bold r:id="rId27"/>
+      <p:italic r:id="rId28"/>
+      <p:boldItalic r:id="rId29"/>
     </p:embeddedFont>
   </p:embeddedFontLst>
   <p:defaultTextStyle>
@@ -17547,20 +17547,9 @@
           </a:bodyPr>
           <a:lstStyle/>
           <a:p>
-            <a:pPr marL="0" marR="0" lvl="0" indent="0" algn="ctr" rtl="0">
-              <a:lnSpc>
-                <a:spcPct val="100000"/>
-              </a:lnSpc>
-              <a:spcBef>
-                <a:spcPts val="0"/>
-              </a:spcBef>
-              <a:spcAft>
-                <a:spcPts val="0"/>
-              </a:spcAft>
-              <a:buNone/>
-            </a:pPr>
+            <a:pPr algn="ctr"/>
             <a:r>
-              <a:rPr lang="es" sz="1200" dirty="0" smtClean="0">
+              <a:rPr lang="fr-FR" sz="1200" dirty="0" err="1">
                 <a:solidFill>
                   <a:srgbClr val="FFFFFF"/>
                 </a:solidFill>
@@ -17569,7 +17558,31 @@
                 <a:cs typeface="Saira Extra Condensed"/>
                 <a:sym typeface="Saira Extra Condensed"/>
               </a:rPr>
-              <a:t>Serveur</a:t>
+              <a:t>React</a:t>
+            </a:r>
+            <a:r>
+              <a:rPr lang="fr-FR" sz="1200" dirty="0">
+                <a:solidFill>
+                  <a:srgbClr val="FFFFFF"/>
+                </a:solidFill>
+                <a:latin typeface="Saira Extra Condensed"/>
+                <a:ea typeface="Saira Extra Condensed"/>
+                <a:cs typeface="Saira Extra Condensed"/>
+                <a:sym typeface="Saira Extra Condensed"/>
+              </a:rPr>
+              <a:t> </a:t>
+            </a:r>
+            <a:r>
+              <a:rPr lang="fr-FR" sz="1200" dirty="0" smtClean="0">
+                <a:solidFill>
+                  <a:srgbClr val="FFFFFF"/>
+                </a:solidFill>
+                <a:latin typeface="Saira Extra Condensed"/>
+                <a:ea typeface="Saira Extra Condensed"/>
+                <a:cs typeface="Saira Extra Condensed"/>
+                <a:sym typeface="Saira Extra Condensed"/>
+              </a:rPr>
+              <a:t>JS</a:t>
             </a:r>
             <a:endParaRPr sz="1200" dirty="0">
               <a:solidFill>
@@ -17604,7 +17617,31 @@
                 <a:cs typeface="Barlow Semi Condensed Light"/>
                 <a:sym typeface="Barlow Semi Condensed Light"/>
               </a:rPr>
-              <a:t>Serveur en Node JS et faire communiquer les vues avec React</a:t>
+              <a:t>C</a:t>
+            </a:r>
+            <a:r>
+              <a:rPr lang="es" sz="1000" dirty="0" smtClean="0">
+                <a:solidFill>
+                  <a:srgbClr val="FFFFFF"/>
+                </a:solidFill>
+                <a:latin typeface="Barlow Semi Condensed Light"/>
+                <a:ea typeface="Barlow Semi Condensed Light"/>
+                <a:cs typeface="Barlow Semi Condensed Light"/>
+                <a:sym typeface="Barlow Semi Condensed Light"/>
+              </a:rPr>
+              <a:t>ommunication entre le front et backend avec </a:t>
+            </a:r>
+            <a:r>
+              <a:rPr lang="es" sz="1000" dirty="0" smtClean="0">
+                <a:solidFill>
+                  <a:srgbClr val="FFFFFF"/>
+                </a:solidFill>
+                <a:latin typeface="Barlow Semi Condensed Light"/>
+                <a:ea typeface="Barlow Semi Condensed Light"/>
+                <a:cs typeface="Barlow Semi Condensed Light"/>
+                <a:sym typeface="Barlow Semi Condensed Light"/>
+              </a:rPr>
+              <a:t>React</a:t>
             </a:r>
             <a:endParaRPr sz="1000" dirty="0">
               <a:solidFill>
@@ -17656,7 +17693,7 @@
               <a:buNone/>
             </a:pPr>
             <a:r>
-              <a:rPr lang="es" sz="1200" dirty="0" smtClean="0">
+              <a:rPr lang="fr-FR" sz="1200" dirty="0" smtClean="0">
                 <a:solidFill>
                   <a:srgbClr val="FFFFFF"/>
                 </a:solidFill>
@@ -17665,9 +17702,9 @@
                 <a:cs typeface="Saira Extra Condensed"/>
                 <a:sym typeface="Saira Extra Condensed"/>
               </a:rPr>
-              <a:t>Temps</a:t>
+              <a:t>Serveur</a:t>
             </a:r>
-            <a:endParaRPr sz="1200" dirty="0">
+            <a:endParaRPr sz="1200" dirty="0" smtClean="0">
               <a:solidFill>
                 <a:srgbClr val="FFFFFF"/>
               </a:solidFill>
@@ -17678,20 +17715,9 @@
             </a:endParaRPr>
           </a:p>
           <a:p>
-            <a:pPr marL="0" marR="0" lvl="0" indent="0" algn="ctr" rtl="0">
-              <a:lnSpc>
-                <a:spcPct val="100000"/>
-              </a:lnSpc>
-              <a:spcBef>
-                <a:spcPts val="0"/>
-              </a:spcBef>
-              <a:spcAft>
-                <a:spcPts val="0"/>
-              </a:spcAft>
-              <a:buNone/>
-            </a:pPr>
+            <a:pPr lvl="0" algn="ctr"/>
             <a:r>
-              <a:rPr lang="es" sz="1000" dirty="0" smtClean="0">
+              <a:rPr lang="fr-FR" sz="1000" dirty="0">
                 <a:solidFill>
                   <a:srgbClr val="FFFFFF"/>
                 </a:solidFill>
@@ -17700,9 +17726,45 @@
                 <a:cs typeface="Barlow Semi Condensed Light"/>
                 <a:sym typeface="Barlow Semi Condensed Light"/>
               </a:rPr>
-              <a:t>Gestion du temps</a:t>
+              <a:t>Serveur en </a:t>
             </a:r>
-            <a:endParaRPr sz="1000" dirty="0">
+            <a:r>
+              <a:rPr lang="fr-FR" sz="1000" dirty="0" err="1">
+                <a:solidFill>
+                  <a:srgbClr val="FFFFFF"/>
+                </a:solidFill>
+                <a:latin typeface="Barlow Semi Condensed Light"/>
+                <a:ea typeface="Barlow Semi Condensed Light"/>
+                <a:cs typeface="Barlow Semi Condensed Light"/>
+                <a:sym typeface="Barlow Semi Condensed Light"/>
+              </a:rPr>
+              <a:t>Node</a:t>
+            </a:r>
+            <a:r>
+              <a:rPr lang="fr-FR" sz="1000" dirty="0">
+                <a:solidFill>
+                  <a:srgbClr val="FFFFFF"/>
+                </a:solidFill>
+                <a:latin typeface="Barlow Semi Condensed Light"/>
+                <a:ea typeface="Barlow Semi Condensed Light"/>
+                <a:cs typeface="Barlow Semi Condensed Light"/>
+                <a:sym typeface="Barlow Semi Condensed Light"/>
+              </a:rPr>
+              <a:t> </a:t>
+            </a:r>
+            <a:r>
+              <a:rPr lang="fr-FR" sz="1000" dirty="0" smtClean="0">
+                <a:solidFill>
+                  <a:srgbClr val="FFFFFF"/>
+                </a:solidFill>
+                <a:latin typeface="Barlow Semi Condensed Light"/>
+                <a:ea typeface="Barlow Semi Condensed Light"/>
+                <a:cs typeface="Barlow Semi Condensed Light"/>
+                <a:sym typeface="Barlow Semi Condensed Light"/>
+              </a:rPr>
+              <a:t>JS</a:t>
+            </a:r>
+            <a:endParaRPr lang="fr-FR" sz="1000" dirty="0">
               <a:solidFill>
                 <a:srgbClr val="FFFFFF"/>
               </a:solidFill>
@@ -17716,7 +17778,7 @@
       </p:sp>
       <p:pic>
         <p:nvPicPr>
-          <p:cNvPr id="6" name="Image 5"/>
+          <p:cNvPr id="7" name="Image 6"/>
           <p:cNvPicPr>
             <a:picLocks noChangeAspect="1"/>
           </p:cNvPicPr>
@@ -17736,8 +17798,8 @@
         </p:blipFill>
         <p:spPr>
           <a:xfrm>
-            <a:off x="2076636" y="2252821"/>
-            <a:ext cx="556986" cy="556986"/>
+            <a:off x="2087970" y="2237981"/>
+            <a:ext cx="564285" cy="564285"/>
           </a:xfrm>
           <a:prstGeom prst="rect">
             <a:avLst/>
@@ -17746,7 +17808,7 @@
       </p:pic>
       <p:pic>
         <p:nvPicPr>
-          <p:cNvPr id="7" name="Image 6"/>
+          <p:cNvPr id="12" name="Image 11"/>
           <p:cNvPicPr>
             <a:picLocks noChangeAspect="1"/>
           </p:cNvPicPr>
@@ -17766,8 +17828,8 @@
         </p:blipFill>
         <p:spPr>
           <a:xfrm>
-            <a:off x="4289066" y="1707799"/>
-            <a:ext cx="564285" cy="564285"/>
+            <a:off x="6407981" y="2761647"/>
+            <a:ext cx="821538" cy="527874"/>
           </a:xfrm>
           <a:prstGeom prst="rect">
             <a:avLst/>
@@ -17776,7 +17838,7 @@
       </p:pic>
       <p:pic>
         <p:nvPicPr>
-          <p:cNvPr id="12" name="Image 11"/>
+          <p:cNvPr id="5" name="Image 4"/>
           <p:cNvPicPr>
             <a:picLocks noChangeAspect="1"/>
           </p:cNvPicPr>
@@ -17796,8 +17858,8 @@
         </p:blipFill>
         <p:spPr>
           <a:xfrm>
-            <a:off x="6407981" y="2761647"/>
-            <a:ext cx="821538" cy="527874"/>
+            <a:off x="4307492" y="1737332"/>
+            <a:ext cx="528248" cy="470082"/>
           </a:xfrm>
           <a:prstGeom prst="rect">
             <a:avLst/>
